--- a/cache/f23acfd2-c485-4b7c-a1e7-d4303ddfe864/69_4.pptx
+++ b/cache/f23acfd2-c485-4b7c-a1e7-d4303ddfe864/69_4.pptx
@@ -63,7 +63,7 @@
         <p:txBody>
           <a:bodyPr/>
           <a:p>
-            <a:fld id="{0DF179E3-BBF6-4B30-9FF6-E3C2F0AD6ECA}" type="slidenum">
+            <a:fld id="{28AE8C49-2A91-4A90-995D-B3457DB7A95D}" type="slidenum">
               <a:t>&lt;#&gt;</a:t>
             </a:fld>
           </a:p>
@@ -251,7 +251,7 @@
         <p:txBody>
           <a:bodyPr/>
           <a:p>
-            <a:fld id="{59A452E6-622B-4438-8F24-CF9E2925E503}" type="slidenum">
+            <a:fld id="{C600F1BD-090A-4FE5-8EA3-3054574FFE8C}" type="slidenum">
               <a:t>&lt;#&gt;</a:t>
             </a:fld>
           </a:p>
@@ -507,7 +507,7 @@
         <p:txBody>
           <a:bodyPr/>
           <a:p>
-            <a:fld id="{273ED093-8C14-4E0D-BF68-71091A3833F0}" type="slidenum">
+            <a:fld id="{90A6064E-1E51-41DF-BC43-339EDF120AED}" type="slidenum">
               <a:t>&lt;#&gt;</a:t>
             </a:fld>
           </a:p>
@@ -831,7 +831,7 @@
         <p:txBody>
           <a:bodyPr/>
           <a:p>
-            <a:fld id="{02E328F4-F1F4-44DA-B343-CB981A9DCDD2}" type="slidenum">
+            <a:fld id="{D5781515-4136-4771-AACA-32C1BC9A0804}" type="slidenum">
               <a:t>&lt;#&gt;</a:t>
             </a:fld>
           </a:p>
@@ -988,7 +988,7 @@
         <p:txBody>
           <a:bodyPr/>
           <a:p>
-            <a:fld id="{0862363D-E5DD-49A0-B0D8-128FB28BF053}" type="slidenum">
+            <a:fld id="{BB941834-4A9A-4372-B26A-084FD6C92054}" type="slidenum">
               <a:t>&lt;#&gt;</a:t>
             </a:fld>
           </a:p>
@@ -1142,7 +1142,7 @@
         <p:txBody>
           <a:bodyPr/>
           <a:p>
-            <a:fld id="{693CFECD-27DE-4BE6-A029-DD3BF66ADCDC}" type="slidenum">
+            <a:fld id="{1F6584B3-A992-4ED9-8A4F-261192F1FA9A}" type="slidenum">
               <a:t>&lt;#&gt;</a:t>
             </a:fld>
           </a:p>
@@ -1330,7 +1330,7 @@
         <p:txBody>
           <a:bodyPr/>
           <a:p>
-            <a:fld id="{4E177FFD-CED2-40DA-BA03-837945693A5E}" type="slidenum">
+            <a:fld id="{3AA279FF-A0C9-4330-BB40-34F3C79BFB38}" type="slidenum">
               <a:t>&lt;#&gt;</a:t>
             </a:fld>
           </a:p>
@@ -1450,7 +1450,7 @@
         <p:txBody>
           <a:bodyPr/>
           <a:p>
-            <a:fld id="{0F061A2C-345B-4F24-9396-43812EF1EFCD}" type="slidenum">
+            <a:fld id="{352EF479-B17A-4321-89D7-EEFC1C479E50}" type="slidenum">
               <a:t>&lt;#&gt;</a:t>
             </a:fld>
           </a:p>
@@ -1570,7 +1570,7 @@
         <p:txBody>
           <a:bodyPr/>
           <a:p>
-            <a:fld id="{585D1B8E-BC4F-4205-9646-C54AC959CC4F}" type="slidenum">
+            <a:fld id="{E98AA8A6-815A-4C05-98C9-00902D1AA322}" type="slidenum">
               <a:t>&lt;#&gt;</a:t>
             </a:fld>
           </a:p>
@@ -1792,7 +1792,7 @@
         <p:txBody>
           <a:bodyPr/>
           <a:p>
-            <a:fld id="{D054D3C9-A020-4B19-9BEC-7C97D92CA505}" type="slidenum">
+            <a:fld id="{445159E0-03E1-43DC-AFFB-FE5EC214B5CA}" type="slidenum">
               <a:t>&lt;#&gt;</a:t>
             </a:fld>
           </a:p>
@@ -2014,7 +2014,7 @@
         <p:txBody>
           <a:bodyPr/>
           <a:p>
-            <a:fld id="{AEA21389-87A9-4FC8-A00B-82DDE6688FEC}" type="slidenum">
+            <a:fld id="{C4ED9DBC-DF69-444C-9D53-9D798505FA4E}" type="slidenum">
               <a:t>&lt;#&gt;</a:t>
             </a:fld>
           </a:p>
@@ -2236,7 +2236,7 @@
         <p:txBody>
           <a:bodyPr/>
           <a:p>
-            <a:fld id="{EE92A00C-C70C-4B1A-96C9-2CAE4CB5F181}" type="slidenum">
+            <a:fld id="{BEBC0337-EEE0-49C0-84D1-D0A1C19A3A73}" type="slidenum">
               <a:t>&lt;#&gt;</a:t>
             </a:fld>
           </a:p>
@@ -2397,7 +2397,7 @@
               </a:lnSpc>
               <a:buNone/>
             </a:pPr>
-            <a:fld id="{EDBAF9ED-A855-449F-AA94-3AF1216E493C}" type="slidenum">
+            <a:fld id="{CE0075BC-F050-4ED6-AB25-1C056B235FFC}" type="slidenum">
               <a:rPr b="0" lang="en-US" sz="1200" spc="-1" strike="noStrike">
                 <a:solidFill>
                   <a:srgbClr val="8b8b8b"/>

--- a/cache/f23acfd2-c485-4b7c-a1e7-d4303ddfe864/69_4.pptx
+++ b/cache/f23acfd2-c485-4b7c-a1e7-d4303ddfe864/69_4.pptx
@@ -63,7 +63,7 @@
         <p:txBody>
           <a:bodyPr/>
           <a:p>
-            <a:fld id="{28AE8C49-2A91-4A90-995D-B3457DB7A95D}" type="slidenum">
+            <a:fld id="{EA1B8CE9-D58D-4B15-B520-CE149D1898D0}" type="slidenum">
               <a:t>&lt;#&gt;</a:t>
             </a:fld>
           </a:p>
@@ -251,7 +251,7 @@
         <p:txBody>
           <a:bodyPr/>
           <a:p>
-            <a:fld id="{C600F1BD-090A-4FE5-8EA3-3054574FFE8C}" type="slidenum">
+            <a:fld id="{FF9DF355-A675-4B7A-959F-30960D43CF03}" type="slidenum">
               <a:t>&lt;#&gt;</a:t>
             </a:fld>
           </a:p>
@@ -507,7 +507,7 @@
         <p:txBody>
           <a:bodyPr/>
           <a:p>
-            <a:fld id="{90A6064E-1E51-41DF-BC43-339EDF120AED}" type="slidenum">
+            <a:fld id="{99C13ABC-435F-46EA-B84C-339CCA435B6C}" type="slidenum">
               <a:t>&lt;#&gt;</a:t>
             </a:fld>
           </a:p>
@@ -831,7 +831,7 @@
         <p:txBody>
           <a:bodyPr/>
           <a:p>
-            <a:fld id="{D5781515-4136-4771-AACA-32C1BC9A0804}" type="slidenum">
+            <a:fld id="{834E3DC6-C62B-4CF7-BB95-EC1840A7E852}" type="slidenum">
               <a:t>&lt;#&gt;</a:t>
             </a:fld>
           </a:p>
@@ -988,7 +988,7 @@
         <p:txBody>
           <a:bodyPr/>
           <a:p>
-            <a:fld id="{BB941834-4A9A-4372-B26A-084FD6C92054}" type="slidenum">
+            <a:fld id="{60D804BA-2158-495E-B6D5-55E971B9C3A7}" type="slidenum">
               <a:t>&lt;#&gt;</a:t>
             </a:fld>
           </a:p>
@@ -1142,7 +1142,7 @@
         <p:txBody>
           <a:bodyPr/>
           <a:p>
-            <a:fld id="{1F6584B3-A992-4ED9-8A4F-261192F1FA9A}" type="slidenum">
+            <a:fld id="{041D611D-9BAF-4908-83A0-F54A5F14A061}" type="slidenum">
               <a:t>&lt;#&gt;</a:t>
             </a:fld>
           </a:p>
@@ -1330,7 +1330,7 @@
         <p:txBody>
           <a:bodyPr/>
           <a:p>
-            <a:fld id="{3AA279FF-A0C9-4330-BB40-34F3C79BFB38}" type="slidenum">
+            <a:fld id="{2D6A7F63-EFE3-4699-8674-5753FC551CC9}" type="slidenum">
               <a:t>&lt;#&gt;</a:t>
             </a:fld>
           </a:p>
@@ -1450,7 +1450,7 @@
         <p:txBody>
           <a:bodyPr/>
           <a:p>
-            <a:fld id="{352EF479-B17A-4321-89D7-EEFC1C479E50}" type="slidenum">
+            <a:fld id="{E3AEA9CE-2C3A-483F-AA3C-A5F6DB458443}" type="slidenum">
               <a:t>&lt;#&gt;</a:t>
             </a:fld>
           </a:p>
@@ -1570,7 +1570,7 @@
         <p:txBody>
           <a:bodyPr/>
           <a:p>
-            <a:fld id="{E98AA8A6-815A-4C05-98C9-00902D1AA322}" type="slidenum">
+            <a:fld id="{556DDDF2-5BF3-416F-A043-FF686918A4CE}" type="slidenum">
               <a:t>&lt;#&gt;</a:t>
             </a:fld>
           </a:p>
@@ -1792,7 +1792,7 @@
         <p:txBody>
           <a:bodyPr/>
           <a:p>
-            <a:fld id="{445159E0-03E1-43DC-AFFB-FE5EC214B5CA}" type="slidenum">
+            <a:fld id="{A25B3BD3-74D1-416B-92DC-54A8C31633D5}" type="slidenum">
               <a:t>&lt;#&gt;</a:t>
             </a:fld>
           </a:p>
@@ -2014,7 +2014,7 @@
         <p:txBody>
           <a:bodyPr/>
           <a:p>
-            <a:fld id="{C4ED9DBC-DF69-444C-9D53-9D798505FA4E}" type="slidenum">
+            <a:fld id="{730247AA-62C6-4513-BF50-80FA2C89A84D}" type="slidenum">
               <a:t>&lt;#&gt;</a:t>
             </a:fld>
           </a:p>
@@ -2236,7 +2236,7 @@
         <p:txBody>
           <a:bodyPr/>
           <a:p>
-            <a:fld id="{BEBC0337-EEE0-49C0-84D1-D0A1C19A3A73}" type="slidenum">
+            <a:fld id="{20274D24-3670-45EC-A857-41CE7264BBEE}" type="slidenum">
               <a:t>&lt;#&gt;</a:t>
             </a:fld>
           </a:p>
@@ -2397,7 +2397,7 @@
               </a:lnSpc>
               <a:buNone/>
             </a:pPr>
-            <a:fld id="{CE0075BC-F050-4ED6-AB25-1C056B235FFC}" type="slidenum">
+            <a:fld id="{8E9CB805-8CB6-4351-8DC9-CB631C11D038}" type="slidenum">
               <a:rPr b="0" lang="en-US" sz="1200" spc="-1" strike="noStrike">
                 <a:solidFill>
                   <a:srgbClr val="8b8b8b"/>
